--- a/docs/diagrams/OpenSequenceDiagram.pptx
+++ b/docs/diagrams/OpenSequenceDiagram.pptx
@@ -6463,12 +6463,12 @@
         </p:nvCxnSpPr>
         <p:spPr>
           <a:xfrm rot="16200000" flipH="1">
-            <a:off x="7271500" y="4847042"/>
+            <a:off x="7278247" y="4764607"/>
             <a:ext cx="92128" cy="96955"/>
           </a:xfrm>
           <a:prstGeom prst="curvedConnector4">
             <a:avLst>
-              <a:gd name="adj1" fmla="val -78571"/>
+              <a:gd name="adj1" fmla="val 7"/>
               <a:gd name="adj2" fmla="val 268936"/>
             </a:avLst>
           </a:prstGeom>
@@ -6506,14 +6506,13 @@
           <p:nvPr/>
         </p:nvCxnSpPr>
         <p:spPr>
-          <a:xfrm rot="16200000" flipH="1">
-            <a:off x="7271500" y="5244308"/>
-            <a:ext cx="92128" cy="96955"/>
-          </a:xfrm>
-          <a:prstGeom prst="curvedConnector4">
+          <a:xfrm>
+            <a:off x="7264964" y="5182658"/>
+            <a:ext cx="102963" cy="62040"/>
+          </a:xfrm>
+          <a:prstGeom prst="curvedConnector3">
             <a:avLst>
-              <a:gd name="adj1" fmla="val -57893"/>
-              <a:gd name="adj2" fmla="val 268936"/>
+              <a:gd name="adj1" fmla="val 227618"/>
             </a:avLst>
           </a:prstGeom>
           <a:ln>

--- a/docs/diagrams/OpenSequenceDiagram.pptx
+++ b/docs/diagrams/OpenSequenceDiagram.pptx
@@ -209,7 +209,7 @@
           <a:p>
             <a:fld id="{F5CC4B3F-88C1-4FFA-B1B6-F41C21DC6924}" type="datetimeFigureOut">
               <a:rPr lang="en-US" smtClean="0"/>
-              <a:t>11/11/2018</a:t>
+              <a:t>11/12/2018</a:t>
             </a:fld>
             <a:endParaRPr lang="en-US"/>
           </a:p>
@@ -655,7 +655,7 @@
           <a:p>
             <a:fld id="{78C97017-6FC3-485B-9764-EAC9E56C1D49}" type="datetimeFigureOut">
               <a:rPr lang="en-US" smtClean="0"/>
-              <a:t>11/11/2018</a:t>
+              <a:t>11/12/2018</a:t>
             </a:fld>
             <a:endParaRPr lang="en-US"/>
           </a:p>
@@ -823,7 +823,7 @@
           <a:p>
             <a:fld id="{78C97017-6FC3-485B-9764-EAC9E56C1D49}" type="datetimeFigureOut">
               <a:rPr lang="en-US" smtClean="0"/>
-              <a:t>11/11/2018</a:t>
+              <a:t>11/12/2018</a:t>
             </a:fld>
             <a:endParaRPr lang="en-US"/>
           </a:p>
@@ -1001,7 +1001,7 @@
           <a:p>
             <a:fld id="{78C97017-6FC3-485B-9764-EAC9E56C1D49}" type="datetimeFigureOut">
               <a:rPr lang="en-US" smtClean="0"/>
-              <a:t>11/11/2018</a:t>
+              <a:t>11/12/2018</a:t>
             </a:fld>
             <a:endParaRPr lang="en-US"/>
           </a:p>
@@ -1169,7 +1169,7 @@
           <a:p>
             <a:fld id="{78C97017-6FC3-485B-9764-EAC9E56C1D49}" type="datetimeFigureOut">
               <a:rPr lang="en-US" smtClean="0"/>
-              <a:t>11/11/2018</a:t>
+              <a:t>11/12/2018</a:t>
             </a:fld>
             <a:endParaRPr lang="en-US"/>
           </a:p>
@@ -1414,7 +1414,7 @@
           <a:p>
             <a:fld id="{78C97017-6FC3-485B-9764-EAC9E56C1D49}" type="datetimeFigureOut">
               <a:rPr lang="en-US" smtClean="0"/>
-              <a:t>11/11/2018</a:t>
+              <a:t>11/12/2018</a:t>
             </a:fld>
             <a:endParaRPr lang="en-US"/>
           </a:p>
@@ -1699,7 +1699,7 @@
           <a:p>
             <a:fld id="{78C97017-6FC3-485B-9764-EAC9E56C1D49}" type="datetimeFigureOut">
               <a:rPr lang="en-US" smtClean="0"/>
-              <a:t>11/11/2018</a:t>
+              <a:t>11/12/2018</a:t>
             </a:fld>
             <a:endParaRPr lang="en-US"/>
           </a:p>
@@ -2118,7 +2118,7 @@
           <a:p>
             <a:fld id="{78C97017-6FC3-485B-9764-EAC9E56C1D49}" type="datetimeFigureOut">
               <a:rPr lang="en-US" smtClean="0"/>
-              <a:t>11/11/2018</a:t>
+              <a:t>11/12/2018</a:t>
             </a:fld>
             <a:endParaRPr lang="en-US"/>
           </a:p>
@@ -2235,7 +2235,7 @@
           <a:p>
             <a:fld id="{78C97017-6FC3-485B-9764-EAC9E56C1D49}" type="datetimeFigureOut">
               <a:rPr lang="en-US" smtClean="0"/>
-              <a:t>11/11/2018</a:t>
+              <a:t>11/12/2018</a:t>
             </a:fld>
             <a:endParaRPr lang="en-US"/>
           </a:p>
@@ -2330,7 +2330,7 @@
           <a:p>
             <a:fld id="{78C97017-6FC3-485B-9764-EAC9E56C1D49}" type="datetimeFigureOut">
               <a:rPr lang="en-US" smtClean="0"/>
-              <a:t>11/11/2018</a:t>
+              <a:t>11/12/2018</a:t>
             </a:fld>
             <a:endParaRPr lang="en-US"/>
           </a:p>
@@ -2605,7 +2605,7 @@
           <a:p>
             <a:fld id="{78C97017-6FC3-485B-9764-EAC9E56C1D49}" type="datetimeFigureOut">
               <a:rPr lang="en-US" smtClean="0"/>
-              <a:t>11/11/2018</a:t>
+              <a:t>11/12/2018</a:t>
             </a:fld>
             <a:endParaRPr lang="en-US"/>
           </a:p>
@@ -2857,7 +2857,7 @@
           <a:p>
             <a:fld id="{78C97017-6FC3-485B-9764-EAC9E56C1D49}" type="datetimeFigureOut">
               <a:rPr lang="en-US" smtClean="0"/>
-              <a:t>11/11/2018</a:t>
+              <a:t>11/12/2018</a:t>
             </a:fld>
             <a:endParaRPr lang="en-US"/>
           </a:p>
@@ -3068,7 +3068,7 @@
           <a:p>
             <a:fld id="{78C97017-6FC3-485B-9764-EAC9E56C1D49}" type="datetimeFigureOut">
               <a:rPr lang="en-US" smtClean="0"/>
-              <a:t>11/11/2018</a:t>
+              <a:t>11/12/2018</a:t>
             </a:fld>
             <a:endParaRPr lang="en-US"/>
           </a:p>
@@ -3452,7 +3452,7 @@
         <p:spPr>
           <a:xfrm>
             <a:off x="6444306" y="148005"/>
-            <a:ext cx="6835977" cy="6542569"/>
+            <a:ext cx="6835977" cy="7395792"/>
           </a:xfrm>
           <a:prstGeom prst="roundRect">
             <a:avLst>
@@ -3512,8 +3512,8 @@
         </p:nvSpPr>
         <p:spPr>
           <a:xfrm>
-            <a:off x="467813" y="163017"/>
-            <a:ext cx="5863964" cy="6542571"/>
+            <a:off x="467813" y="163016"/>
+            <a:ext cx="5863964" cy="7380781"/>
           </a:xfrm>
           <a:prstGeom prst="roundRect">
             <a:avLst>
@@ -3643,7 +3643,7 @@
         <p:spPr>
           <a:xfrm>
             <a:off x="1610959" y="907617"/>
-            <a:ext cx="0" cy="5264583"/>
+            <a:ext cx="0" cy="6407578"/>
           </a:xfrm>
           <a:prstGeom prst="line">
             <a:avLst/>
@@ -3679,8 +3679,8 @@
         </p:nvSpPr>
         <p:spPr>
           <a:xfrm>
-            <a:off x="1536942" y="1258311"/>
-            <a:ext cx="140354" cy="4692067"/>
+            <a:off x="1527165" y="1258311"/>
+            <a:ext cx="150131" cy="5828282"/>
           </a:xfrm>
           <a:prstGeom prst="rect">
             <a:avLst/>
@@ -3880,15 +3880,15 @@
           <p:cNvPr id="20" name="Straight Connector 19"/>
           <p:cNvCxnSpPr>
             <a:cxnSpLocks/>
-            <a:stCxn id="21" idx="0"/>
+            <a:stCxn id="19" idx="2"/>
             <a:endCxn id="4" idx="0"/>
           </p:cNvCxnSpPr>
           <p:nvPr/>
         </p:nvCxnSpPr>
         <p:spPr>
-          <a:xfrm>
-            <a:off x="5602082" y="1613633"/>
-            <a:ext cx="0" cy="4558567"/>
+          <a:xfrm flipH="1">
+            <a:off x="5596316" y="1721806"/>
+            <a:ext cx="33856" cy="5462584"/>
           </a:xfrm>
           <a:prstGeom prst="line">
             <a:avLst/>
@@ -4222,7 +4222,7 @@
         </p:nvCxnSpPr>
         <p:spPr>
           <a:xfrm>
-            <a:off x="380999" y="5943600"/>
+            <a:off x="380999" y="7086600"/>
             <a:ext cx="1196051" cy="0"/>
           </a:xfrm>
           <a:prstGeom prst="straightConnector1">
@@ -4261,7 +4261,7 @@
         <p:spPr>
           <a:xfrm>
             <a:off x="5526488" y="2731313"/>
-            <a:ext cx="116828" cy="3169061"/>
+            <a:ext cx="131264" cy="4293968"/>
           </a:xfrm>
           <a:prstGeom prst="rect">
             <a:avLst/>
@@ -4351,7 +4351,7 @@
         </p:nvSpPr>
         <p:spPr>
           <a:xfrm>
-            <a:off x="3272755" y="5575756"/>
+            <a:off x="3272755" y="6718756"/>
             <a:ext cx="621216" cy="215444"/>
           </a:xfrm>
           <a:prstGeom prst="rect">
@@ -4391,7 +4391,7 @@
         </p:nvSpPr>
         <p:spPr>
           <a:xfrm>
-            <a:off x="645270" y="5698501"/>
+            <a:off x="645270" y="6841501"/>
             <a:ext cx="762000" cy="215444"/>
           </a:xfrm>
           <a:prstGeom prst="rect">
@@ -4431,7 +4431,7 @@
         </p:nvSpPr>
         <p:spPr>
           <a:xfrm>
-            <a:off x="8382741" y="1899553"/>
+            <a:off x="8626999" y="1899553"/>
             <a:ext cx="1294659" cy="244173"/>
           </a:xfrm>
           <a:prstGeom prst="rect">
@@ -4525,7 +4525,7 @@
           <a:p>
             <a:r>
               <a:rPr lang="en-US" dirty="0"/>
-              <a:t>next</a:t>
+              <a:t>open</a:t>
             </a:r>
           </a:p>
         </p:txBody>
@@ -4538,7 +4538,7 @@
         </p:nvSpPr>
         <p:spPr>
           <a:xfrm>
-            <a:off x="6781800" y="1823353"/>
+            <a:off x="7026058" y="1823353"/>
             <a:ext cx="841636" cy="300180"/>
           </a:xfrm>
           <a:prstGeom prst="rect">
@@ -4599,8 +4599,8 @@
         </p:nvCxnSpPr>
         <p:spPr>
           <a:xfrm>
-            <a:off x="7222486" y="2114459"/>
-            <a:ext cx="12283" cy="4319351"/>
+            <a:off x="7466744" y="2114459"/>
+            <a:ext cx="0" cy="5200736"/>
           </a:xfrm>
           <a:prstGeom prst="line">
             <a:avLst/>
@@ -4636,7 +4636,7 @@
         </p:nvSpPr>
         <p:spPr>
           <a:xfrm>
-            <a:off x="5472880" y="6172200"/>
+            <a:off x="5467114" y="7184390"/>
             <a:ext cx="258404" cy="261610"/>
           </a:xfrm>
           <a:prstGeom prst="rect">
@@ -4839,7 +4839,7 @@
         </p:nvCxnSpPr>
         <p:spPr>
           <a:xfrm>
-            <a:off x="1691351" y="5867400"/>
+            <a:off x="1691351" y="7010400"/>
             <a:ext cx="3831517" cy="0"/>
           </a:xfrm>
           <a:prstGeom prst="straightConnector1">
@@ -4885,8 +4885,8 @@
         </p:nvCxnSpPr>
         <p:spPr>
           <a:xfrm>
-            <a:off x="9024207" y="2143726"/>
-            <a:ext cx="4569" cy="4290084"/>
+            <a:off x="9268465" y="2143726"/>
+            <a:ext cx="0" cy="5171469"/>
           </a:xfrm>
           <a:prstGeom prst="line">
             <a:avLst/>
@@ -4928,7 +4928,7 @@
         </p:nvSpPr>
         <p:spPr>
           <a:xfrm>
-            <a:off x="7122240" y="3124035"/>
+            <a:off x="7366498" y="3124035"/>
             <a:ext cx="152505" cy="375718"/>
           </a:xfrm>
           <a:prstGeom prst="rect">
@@ -4983,8 +4983,8 @@
         </p:nvCxnSpPr>
         <p:spPr>
           <a:xfrm>
-            <a:off x="5638800" y="3147213"/>
-            <a:ext cx="1483440" cy="0"/>
+            <a:off x="5638800" y="3124035"/>
+            <a:ext cx="1727698" cy="0"/>
           </a:xfrm>
           <a:prstGeom prst="straightConnector1">
             <a:avLst/>
@@ -5025,7 +5025,7 @@
         </p:nvSpPr>
         <p:spPr>
           <a:xfrm>
-            <a:off x="5715000" y="2851469"/>
+            <a:off x="5801349" y="2892061"/>
             <a:ext cx="1478851" cy="184666"/>
           </a:xfrm>
           <a:prstGeom prst="rect">
@@ -5096,7 +5096,7 @@
         </p:nvCxnSpPr>
         <p:spPr>
           <a:xfrm>
-            <a:off x="7270185" y="3192823"/>
+            <a:off x="7514443" y="3192823"/>
             <a:ext cx="1704641" cy="0"/>
           </a:xfrm>
           <a:prstGeom prst="straightConnector1">
@@ -5140,7 +5140,7 @@
         </p:nvCxnSpPr>
         <p:spPr>
           <a:xfrm>
-            <a:off x="7285147" y="3366328"/>
+            <a:off x="7529405" y="3366328"/>
             <a:ext cx="1689679" cy="1"/>
           </a:xfrm>
           <a:prstGeom prst="straightConnector1">
@@ -5181,13 +5181,14 @@
           </p:cNvPr>
           <p:cNvCxnSpPr>
             <a:cxnSpLocks/>
+            <a:endCxn id="54" idx="2"/>
           </p:cNvCxnSpPr>
           <p:nvPr/>
         </p:nvCxnSpPr>
         <p:spPr>
           <a:xfrm>
             <a:off x="5638800" y="3499753"/>
-            <a:ext cx="1483493" cy="0"/>
+            <a:ext cx="1803951" cy="0"/>
           </a:xfrm>
           <a:prstGeom prst="straightConnector1">
             <a:avLst/>
@@ -5230,7 +5231,7 @@
         </p:nvSpPr>
         <p:spPr>
           <a:xfrm>
-            <a:off x="8957809" y="3199245"/>
+            <a:off x="9202067" y="3199245"/>
             <a:ext cx="141935" cy="195819"/>
           </a:xfrm>
           <a:prstGeom prst="rect">
@@ -5283,7 +5284,7 @@
         </p:nvSpPr>
         <p:spPr>
           <a:xfrm>
-            <a:off x="7270185" y="2851469"/>
+            <a:off x="7514443" y="2851469"/>
             <a:ext cx="1711583" cy="184666"/>
           </a:xfrm>
           <a:prstGeom prst="rect">
@@ -5352,7 +5353,7 @@
         </p:nvSpPr>
         <p:spPr>
           <a:xfrm>
-            <a:off x="4328584" y="3638395"/>
+            <a:off x="4328584" y="3589801"/>
             <a:ext cx="8461793" cy="2125199"/>
           </a:xfrm>
           <a:prstGeom prst="rect">
@@ -5382,47 +5383,6 @@
           <a:p>
             <a:pPr algn="ctr"/>
             <a:endParaRPr lang="en-SG"/>
-          </a:p>
-        </p:txBody>
-      </p:sp>
-      <p:sp>
-        <p:nvSpPr>
-          <p:cNvPr id="48" name="TextBox 47">
-            <a:extLst>
-              <a:ext uri="{FF2B5EF4-FFF2-40B4-BE49-F238E27FC236}">
-                <a16:creationId xmlns:a16="http://schemas.microsoft.com/office/drawing/2014/main" id="{55F31EB8-BFA4-4427-9853-CAD9CAEF79D4}"/>
-              </a:ext>
-            </a:extLst>
-          </p:cNvPr>
-          <p:cNvSpPr txBox="1"/>
-          <p:nvPr/>
-        </p:nvSpPr>
-        <p:spPr>
-          <a:xfrm>
-            <a:off x="4328584" y="3638396"/>
-            <a:ext cx="395816" cy="261610"/>
-          </a:xfrm>
-          <a:prstGeom prst="rect">
-            <a:avLst/>
-          </a:prstGeom>
-          <a:noFill/>
-          <a:ln w="28575">
-            <a:solidFill>
-              <a:schemeClr val="tx2"/>
-            </a:solidFill>
-          </a:ln>
-        </p:spPr>
-        <p:txBody>
-          <a:bodyPr wrap="square" rtlCol="0">
-            <a:spAutoFit/>
-          </a:bodyPr>
-          <a:lstStyle/>
-          <a:p>
-            <a:r>
-              <a:rPr lang="en-SG" sz="1100" dirty="0"/>
-              <a:t>opt</a:t>
-            </a:r>
-            <a:endParaRPr lang="en-SG" sz="1200" dirty="0"/>
           </a:p>
         </p:txBody>
       </p:sp>
@@ -5440,7 +5400,7 @@
         </p:nvSpPr>
         <p:spPr>
           <a:xfrm>
-            <a:off x="9984807" y="1878232"/>
+            <a:off x="10229065" y="1878232"/>
             <a:ext cx="1294659" cy="244173"/>
           </a:xfrm>
           <a:prstGeom prst="rect">
@@ -5506,9 +5466,9 @@
           <p:nvPr/>
         </p:nvCxnSpPr>
         <p:spPr>
-          <a:xfrm flipH="1">
-            <a:off x="10606883" y="2122405"/>
-            <a:ext cx="19390" cy="4311405"/>
+          <a:xfrm>
+            <a:off x="10870531" y="2122405"/>
+            <a:ext cx="0" cy="5192790"/>
           </a:xfrm>
           <a:prstGeom prst="line">
             <a:avLst/>
@@ -5550,7 +5510,7 @@
         </p:nvSpPr>
         <p:spPr>
           <a:xfrm>
-            <a:off x="11567483" y="1878232"/>
+            <a:off x="11811741" y="1878232"/>
             <a:ext cx="1294659" cy="244173"/>
           </a:xfrm>
           <a:prstGeom prst="rect">
@@ -5617,8 +5577,8 @@
         </p:nvCxnSpPr>
         <p:spPr>
           <a:xfrm>
-            <a:off x="12208949" y="2122405"/>
-            <a:ext cx="5863" cy="4311405"/>
+            <a:off x="12453207" y="2122405"/>
+            <a:ext cx="0" cy="5192790"/>
           </a:xfrm>
           <a:prstGeom prst="line">
             <a:avLst/>
@@ -5646,49 +5606,6 @@
           </a:fontRef>
         </p:style>
       </p:cxnSp>
-      <p:sp>
-        <p:nvSpPr>
-          <p:cNvPr id="53" name="TextBox 52">
-            <a:extLst>
-              <a:ext uri="{FF2B5EF4-FFF2-40B4-BE49-F238E27FC236}">
-                <a16:creationId xmlns:a16="http://schemas.microsoft.com/office/drawing/2014/main" id="{CE84714A-C3B0-4A20-80AC-2021422CA163}"/>
-              </a:ext>
-            </a:extLst>
-          </p:cNvPr>
-          <p:cNvSpPr txBox="1"/>
-          <p:nvPr/>
-        </p:nvSpPr>
-        <p:spPr>
-          <a:xfrm>
-            <a:off x="4675573" y="3646748"/>
-            <a:ext cx="923651" cy="261610"/>
-          </a:xfrm>
-          <a:prstGeom prst="rect">
-            <a:avLst/>
-          </a:prstGeom>
-          <a:noFill/>
-        </p:spPr>
-        <p:txBody>
-          <a:bodyPr wrap="none" rtlCol="0">
-            <a:spAutoFit/>
-          </a:bodyPr>
-          <a:lstStyle/>
-          <a:p>
-            <a:r>
-              <a:rPr lang="en-SG" sz="1100" dirty="0"/>
-              <a:t>[1 ≤ </a:t>
-            </a:r>
-            <a:r>
-              <a:rPr lang="en-SG" sz="1100" dirty="0" err="1"/>
-              <a:t>idx</a:t>
-            </a:r>
-            <a:r>
-              <a:rPr lang="en-SG" sz="1100" dirty="0"/>
-              <a:t> ≤ 10]</a:t>
-            </a:r>
-          </a:p>
-        </p:txBody>
-      </p:sp>
       <p:cxnSp>
         <p:nvCxnSpPr>
           <p:cNvPr id="60" name="Straight Arrow Connector 59">
@@ -5704,9 +5621,9 @@
           <p:nvPr/>
         </p:nvCxnSpPr>
         <p:spPr>
-          <a:xfrm>
-            <a:off x="5630171" y="4191000"/>
-            <a:ext cx="1511076" cy="0"/>
+          <a:xfrm flipV="1">
+            <a:off x="5630171" y="4130738"/>
+            <a:ext cx="1736327" cy="11668"/>
           </a:xfrm>
           <a:prstGeom prst="straightConnector1">
             <a:avLst/>
@@ -5747,7 +5664,7 @@
         </p:nvSpPr>
         <p:spPr>
           <a:xfrm>
-            <a:off x="5638800" y="3810000"/>
+            <a:off x="5743844" y="3732053"/>
             <a:ext cx="1610371" cy="369332"/>
           </a:xfrm>
           <a:prstGeom prst="rect">
@@ -5818,7 +5735,7 @@
         </p:nvCxnSpPr>
         <p:spPr>
           <a:xfrm>
-            <a:off x="7278617" y="4348256"/>
+            <a:off x="7522875" y="4299662"/>
             <a:ext cx="3276688" cy="0"/>
           </a:xfrm>
           <a:prstGeom prst="straightConnector1">
@@ -5862,7 +5779,7 @@
         </p:nvCxnSpPr>
         <p:spPr>
           <a:xfrm flipV="1">
-            <a:off x="7270185" y="4648200"/>
+            <a:off x="7514443" y="4599606"/>
             <a:ext cx="3251265" cy="5225"/>
           </a:xfrm>
           <a:prstGeom prst="straightConnector1">
@@ -5908,8 +5825,8 @@
         </p:nvCxnSpPr>
         <p:spPr>
           <a:xfrm>
-            <a:off x="5657754" y="5639942"/>
-            <a:ext cx="1483493" cy="0"/>
+            <a:off x="5657754" y="5591348"/>
+            <a:ext cx="1819746" cy="0"/>
           </a:xfrm>
           <a:prstGeom prst="straightConnector1">
             <a:avLst/>
@@ -5952,7 +5869,7 @@
         </p:nvSpPr>
         <p:spPr>
           <a:xfrm>
-            <a:off x="7141249" y="4190324"/>
+            <a:off x="7385507" y="4141730"/>
             <a:ext cx="137368" cy="1449618"/>
           </a:xfrm>
           <a:prstGeom prst="rect">
@@ -6005,7 +5922,7 @@
         </p:nvSpPr>
         <p:spPr>
           <a:xfrm>
-            <a:off x="10555305" y="4330974"/>
+            <a:off x="10799563" y="4282380"/>
             <a:ext cx="141935" cy="322451"/>
           </a:xfrm>
           <a:prstGeom prst="rect">
@@ -6058,7 +5975,7 @@
         </p:nvSpPr>
         <p:spPr>
           <a:xfrm>
-            <a:off x="12137981" y="4392044"/>
+            <a:off x="12382239" y="4343450"/>
             <a:ext cx="141935" cy="179956"/>
           </a:xfrm>
           <a:prstGeom prst="rect">
@@ -6113,7 +6030,7 @@
         </p:nvCxnSpPr>
         <p:spPr>
           <a:xfrm>
-            <a:off x="10700622" y="4392043"/>
+            <a:off x="10944880" y="4343449"/>
             <a:ext cx="1428774" cy="0"/>
           </a:xfrm>
           <a:prstGeom prst="straightConnector1">
@@ -6157,7 +6074,7 @@
         </p:nvCxnSpPr>
         <p:spPr>
           <a:xfrm>
-            <a:off x="10715990" y="4572000"/>
+            <a:off x="10960248" y="4523406"/>
             <a:ext cx="1413406" cy="0"/>
           </a:xfrm>
           <a:prstGeom prst="straightConnector1">
@@ -6201,7 +6118,7 @@
         </p:nvSpPr>
         <p:spPr>
           <a:xfrm>
-            <a:off x="9579275" y="4128692"/>
+            <a:off x="9823533" y="4080098"/>
             <a:ext cx="701260" cy="187151"/>
           </a:xfrm>
           <a:prstGeom prst="rect">
@@ -6262,7 +6179,7 @@
         </p:nvSpPr>
         <p:spPr>
           <a:xfrm>
-            <a:off x="10676605" y="4139695"/>
+            <a:off x="10920863" y="4091101"/>
             <a:ext cx="1597497" cy="184666"/>
           </a:xfrm>
           <a:prstGeom prst="rect">
@@ -6347,7 +6264,7 @@
         </p:nvSpPr>
         <p:spPr>
           <a:xfrm>
-            <a:off x="7228047" y="4860874"/>
+            <a:off x="7472305" y="4812280"/>
             <a:ext cx="132799" cy="297916"/>
           </a:xfrm>
           <a:prstGeom prst="rect">
@@ -6404,7 +6321,7 @@
         </p:nvSpPr>
         <p:spPr>
           <a:xfrm>
-            <a:off x="7233242" y="5250194"/>
+            <a:off x="7477500" y="5201600"/>
             <a:ext cx="132799" cy="297916"/>
           </a:xfrm>
           <a:prstGeom prst="rect">
@@ -6463,7 +6380,7 @@
         </p:nvCxnSpPr>
         <p:spPr>
           <a:xfrm rot="16200000" flipH="1">
-            <a:off x="7278247" y="4764607"/>
+            <a:off x="7522505" y="4716013"/>
             <a:ext cx="92128" cy="96955"/>
           </a:xfrm>
           <a:prstGeom prst="curvedConnector4">
@@ -6507,7 +6424,7 @@
         </p:nvCxnSpPr>
         <p:spPr>
           <a:xfrm>
-            <a:off x="7264964" y="5182658"/>
+            <a:off x="7509222" y="5134064"/>
             <a:ext cx="102963" cy="62040"/>
           </a:xfrm>
           <a:prstGeom prst="curvedConnector3">
@@ -6548,7 +6465,7 @@
         </p:nvSpPr>
         <p:spPr>
           <a:xfrm>
-            <a:off x="7576246" y="4768297"/>
+            <a:off x="7820504" y="4719703"/>
             <a:ext cx="1214079" cy="184666"/>
           </a:xfrm>
           <a:prstGeom prst="rect">
@@ -6617,7 +6534,7 @@
         </p:nvSpPr>
         <p:spPr>
           <a:xfrm>
-            <a:off x="7561117" y="5173612"/>
+            <a:off x="7805375" y="5125018"/>
             <a:ext cx="1214079" cy="184666"/>
           </a:xfrm>
           <a:prstGeom prst="rect">
@@ -6672,6 +6589,304 @@
           </a:p>
         </p:txBody>
       </p:sp>
+      <p:sp>
+        <p:nvSpPr>
+          <p:cNvPr id="71" name="Rectangle: Single Corner Snipped 70">
+            <a:extLst>
+              <a:ext uri="{FF2B5EF4-FFF2-40B4-BE49-F238E27FC236}">
+                <a16:creationId xmlns:a16="http://schemas.microsoft.com/office/drawing/2014/main" id="{D19170DE-9125-4768-839A-1A1C94448A8D}"/>
+              </a:ext>
+            </a:extLst>
+          </p:cNvPr>
+          <p:cNvSpPr/>
+          <p:nvPr/>
+        </p:nvSpPr>
+        <p:spPr>
+          <a:xfrm flipV="1">
+            <a:off x="4338367" y="3589848"/>
+            <a:ext cx="346080" cy="276997"/>
+          </a:xfrm>
+          <a:prstGeom prst="snip1Rect">
+            <a:avLst>
+              <a:gd name="adj" fmla="val 38996"/>
+            </a:avLst>
+          </a:prstGeom>
+          <a:noFill/>
+        </p:spPr>
+        <p:style>
+          <a:lnRef idx="2">
+            <a:schemeClr val="accent1">
+              <a:shade val="50000"/>
+            </a:schemeClr>
+          </a:lnRef>
+          <a:fillRef idx="1">
+            <a:schemeClr val="accent1"/>
+          </a:fillRef>
+          <a:effectRef idx="0">
+            <a:schemeClr val="accent1"/>
+          </a:effectRef>
+          <a:fontRef idx="minor">
+            <a:schemeClr val="lt1"/>
+          </a:fontRef>
+        </p:style>
+        <p:txBody>
+          <a:bodyPr rtlCol="0" anchor="ctr"/>
+          <a:lstStyle/>
+          <a:p>
+            <a:pPr algn="ctr"/>
+            <a:endParaRPr lang="en-SG" dirty="0"/>
+          </a:p>
+        </p:txBody>
+      </p:sp>
+      <p:sp>
+        <p:nvSpPr>
+          <p:cNvPr id="79" name="TextBox 78">
+            <a:extLst>
+              <a:ext uri="{FF2B5EF4-FFF2-40B4-BE49-F238E27FC236}">
+                <a16:creationId xmlns:a16="http://schemas.microsoft.com/office/drawing/2014/main" id="{CC406CDB-AB83-48B2-9A2C-400561E97B26}"/>
+              </a:ext>
+            </a:extLst>
+          </p:cNvPr>
+          <p:cNvSpPr txBox="1"/>
+          <p:nvPr/>
+        </p:nvSpPr>
+        <p:spPr>
+          <a:xfrm>
+            <a:off x="4310203" y="3556828"/>
+            <a:ext cx="397160" cy="276999"/>
+          </a:xfrm>
+          <a:prstGeom prst="rect">
+            <a:avLst/>
+          </a:prstGeom>
+          <a:noFill/>
+        </p:spPr>
+        <p:txBody>
+          <a:bodyPr wrap="none" rtlCol="0">
+            <a:spAutoFit/>
+          </a:bodyPr>
+          <a:lstStyle/>
+          <a:p>
+            <a:r>
+              <a:rPr lang="en-SG" sz="1200" dirty="0"/>
+              <a:t>opt</a:t>
+            </a:r>
+          </a:p>
+        </p:txBody>
+      </p:sp>
+      <p:sp>
+        <p:nvSpPr>
+          <p:cNvPr id="95" name="Rectangle 62">
+            <a:extLst>
+              <a:ext uri="{FF2B5EF4-FFF2-40B4-BE49-F238E27FC236}">
+                <a16:creationId xmlns:a16="http://schemas.microsoft.com/office/drawing/2014/main" id="{7D592F0E-F01E-481B-91B5-1B57E80788CE}"/>
+              </a:ext>
+            </a:extLst>
+          </p:cNvPr>
+          <p:cNvSpPr/>
+          <p:nvPr/>
+        </p:nvSpPr>
+        <p:spPr>
+          <a:xfrm>
+            <a:off x="5808126" y="6060365"/>
+            <a:ext cx="1579824" cy="580894"/>
+          </a:xfrm>
+          <a:prstGeom prst="rect">
+            <a:avLst/>
+          </a:prstGeom>
+          <a:solidFill>
+            <a:srgbClr val="0070C0"/>
+          </a:solidFill>
+          <a:ln w="19050">
+            <a:solidFill>
+              <a:srgbClr val="0070C0"/>
+            </a:solidFill>
+          </a:ln>
+          <a:effectLst/>
+        </p:spPr>
+        <p:style>
+          <a:lnRef idx="1">
+            <a:schemeClr val="accent2"/>
+          </a:lnRef>
+          <a:fillRef idx="2">
+            <a:schemeClr val="accent2"/>
+          </a:fillRef>
+          <a:effectRef idx="1">
+            <a:schemeClr val="accent2"/>
+          </a:effectRef>
+          <a:fontRef idx="minor">
+            <a:schemeClr val="dk1"/>
+          </a:fontRef>
+        </p:style>
+        <p:txBody>
+          <a:bodyPr rtlCol="0" anchor="ctr"/>
+          <a:lstStyle/>
+          <a:p>
+            <a:pPr algn="ctr"/>
+            <a:r>
+              <a:rPr lang="en-US" sz="1600" dirty="0" err="1">
+                <a:solidFill>
+                  <a:schemeClr val="bg1"/>
+                </a:solidFill>
+              </a:rPr>
+              <a:t>result:CommandResult</a:t>
+            </a:r>
+            <a:endParaRPr lang="en-SG" sz="1600" dirty="0">
+              <a:solidFill>
+                <a:schemeClr val="bg1"/>
+              </a:solidFill>
+            </a:endParaRPr>
+          </a:p>
+        </p:txBody>
+      </p:sp>
+      <p:sp>
+        <p:nvSpPr>
+          <p:cNvPr id="98" name="Rectangle 97">
+            <a:extLst>
+              <a:ext uri="{FF2B5EF4-FFF2-40B4-BE49-F238E27FC236}">
+                <a16:creationId xmlns:a16="http://schemas.microsoft.com/office/drawing/2014/main" id="{C07573CD-E6D9-484F-845C-B3242DB04DD0}"/>
+              </a:ext>
+            </a:extLst>
+          </p:cNvPr>
+          <p:cNvSpPr/>
+          <p:nvPr/>
+        </p:nvSpPr>
+        <p:spPr>
+          <a:xfrm>
+            <a:off x="6513594" y="6614757"/>
+            <a:ext cx="145274" cy="261481"/>
+          </a:xfrm>
+          <a:prstGeom prst="rect">
+            <a:avLst/>
+          </a:prstGeom>
+          <a:solidFill>
+            <a:srgbClr val="0070C0"/>
+          </a:solidFill>
+          <a:ln>
+            <a:solidFill>
+              <a:srgbClr val="0070C0"/>
+            </a:solidFill>
+          </a:ln>
+          <a:effectLst/>
+        </p:spPr>
+        <p:style>
+          <a:lnRef idx="1">
+            <a:schemeClr val="accent3"/>
+          </a:lnRef>
+          <a:fillRef idx="2">
+            <a:schemeClr val="accent3"/>
+          </a:fillRef>
+          <a:effectRef idx="1">
+            <a:schemeClr val="accent3"/>
+          </a:effectRef>
+          <a:fontRef idx="minor">
+            <a:schemeClr val="dk1"/>
+          </a:fontRef>
+        </p:style>
+        <p:txBody>
+          <a:bodyPr rtlCol="0" anchor="ctr"/>
+          <a:lstStyle/>
+          <a:p>
+            <a:pPr algn="ctr"/>
+            <a:endParaRPr lang="en-SG" sz="1400">
+              <a:solidFill>
+                <a:schemeClr val="dk1"/>
+              </a:solidFill>
+            </a:endParaRPr>
+          </a:p>
+        </p:txBody>
+      </p:sp>
+      <p:cxnSp>
+        <p:nvCxnSpPr>
+          <p:cNvPr id="99" name="Straight Arrow Connector 98">
+            <a:extLst>
+              <a:ext uri="{FF2B5EF4-FFF2-40B4-BE49-F238E27FC236}">
+                <a16:creationId xmlns:a16="http://schemas.microsoft.com/office/drawing/2014/main" id="{6648AB97-E558-47BF-BA88-2D8F92CDC68A}"/>
+              </a:ext>
+            </a:extLst>
+          </p:cNvPr>
+          <p:cNvCxnSpPr>
+            <a:cxnSpLocks/>
+            <a:endCxn id="95" idx="1"/>
+          </p:cNvCxnSpPr>
+          <p:nvPr/>
+        </p:nvCxnSpPr>
+        <p:spPr>
+          <a:xfrm>
+            <a:off x="5666623" y="6349242"/>
+            <a:ext cx="141503" cy="1570"/>
+          </a:xfrm>
+          <a:prstGeom prst="straightConnector1">
+            <a:avLst/>
+          </a:prstGeom>
+          <a:ln w="19050">
+            <a:solidFill>
+              <a:srgbClr val="0070C0"/>
+            </a:solidFill>
+            <a:tailEnd type="arrow"/>
+          </a:ln>
+        </p:spPr>
+        <p:style>
+          <a:lnRef idx="1">
+            <a:schemeClr val="accent1"/>
+          </a:lnRef>
+          <a:fillRef idx="0">
+            <a:schemeClr val="accent1"/>
+          </a:fillRef>
+          <a:effectRef idx="0">
+            <a:schemeClr val="accent1"/>
+          </a:effectRef>
+          <a:fontRef idx="minor">
+            <a:schemeClr val="tx1"/>
+          </a:fontRef>
+        </p:style>
+      </p:cxnSp>
+      <p:cxnSp>
+        <p:nvCxnSpPr>
+          <p:cNvPr id="100" name="Straight Arrow Connector 99">
+            <a:extLst>
+              <a:ext uri="{FF2B5EF4-FFF2-40B4-BE49-F238E27FC236}">
+                <a16:creationId xmlns:a16="http://schemas.microsoft.com/office/drawing/2014/main" id="{E75D0EB3-520A-4161-88E1-14E1CDBAF775}"/>
+              </a:ext>
+            </a:extLst>
+          </p:cNvPr>
+          <p:cNvCxnSpPr>
+            <a:cxnSpLocks/>
+            <a:endCxn id="98" idx="2"/>
+          </p:cNvCxnSpPr>
+          <p:nvPr/>
+        </p:nvCxnSpPr>
+        <p:spPr>
+          <a:xfrm>
+            <a:off x="5659466" y="6876238"/>
+            <a:ext cx="926765" cy="0"/>
+          </a:xfrm>
+          <a:prstGeom prst="straightConnector1">
+            <a:avLst/>
+          </a:prstGeom>
+          <a:ln w="19050">
+            <a:solidFill>
+              <a:srgbClr val="0070C0"/>
+            </a:solidFill>
+            <a:prstDash val="sysDash"/>
+            <a:headEnd type="arrow" w="med" len="med"/>
+            <a:tailEnd type="none" w="med" len="med"/>
+          </a:ln>
+        </p:spPr>
+        <p:style>
+          <a:lnRef idx="1">
+            <a:schemeClr val="accent1"/>
+          </a:lnRef>
+          <a:fillRef idx="0">
+            <a:schemeClr val="accent1"/>
+          </a:fillRef>
+          <a:effectRef idx="0">
+            <a:schemeClr val="accent1"/>
+          </a:effectRef>
+          <a:fontRef idx="minor">
+            <a:schemeClr val="tx1"/>
+          </a:fontRef>
+        </p:style>
+      </p:cxnSp>
     </p:spTree>
     <p:extLst>
       <p:ext uri="{BB962C8B-B14F-4D97-AF65-F5344CB8AC3E}">

--- a/docs/diagrams/OpenSequenceDiagram.pptx
+++ b/docs/diagrams/OpenSequenceDiagram.pptx
@@ -6887,6 +6887,76 @@
           </a:fontRef>
         </p:style>
       </p:cxnSp>
+      <p:sp>
+        <p:nvSpPr>
+          <p:cNvPr id="88" name="TextBox 87">
+            <a:extLst>
+              <a:ext uri="{FF2B5EF4-FFF2-40B4-BE49-F238E27FC236}">
+                <a16:creationId xmlns:a16="http://schemas.microsoft.com/office/drawing/2014/main" id="{1070F1AF-716B-47EC-82B6-04C4128ABF05}"/>
+              </a:ext>
+            </a:extLst>
+          </p:cNvPr>
+          <p:cNvSpPr txBox="1"/>
+          <p:nvPr/>
+        </p:nvSpPr>
+        <p:spPr>
+          <a:xfrm>
+            <a:off x="4694230" y="3625334"/>
+            <a:ext cx="841959" cy="184666"/>
+          </a:xfrm>
+          <a:prstGeom prst="rect">
+            <a:avLst/>
+          </a:prstGeom>
+          <a:noFill/>
+          <a:ln>
+            <a:noFill/>
+          </a:ln>
+        </p:spPr>
+        <p:txBody>
+          <a:bodyPr wrap="square" lIns="0" tIns="0" rIns="0" bIns="0" rtlCol="0">
+            <a:spAutoFit/>
+          </a:bodyPr>
+          <a:lstStyle>
+            <a:defPPr>
+              <a:defRPr lang="en-US"/>
+            </a:defPPr>
+            <a:lvl1pPr algn="r">
+              <a:defRPr sz="1400">
+                <a:solidFill>
+                  <a:srgbClr val="0070C0"/>
+                </a:solidFill>
+              </a:defRPr>
+            </a:lvl1pPr>
+          </a:lstStyle>
+          <a:p>
+            <a:pPr algn="ctr"/>
+            <a:r>
+              <a:rPr lang="en-US" sz="1200" dirty="0">
+                <a:solidFill>
+                  <a:schemeClr val="tx1"/>
+                </a:solidFill>
+              </a:rPr>
+              <a:t>[1 ≤ </a:t>
+            </a:r>
+            <a:r>
+              <a:rPr lang="en-US" sz="1200" dirty="0" err="1">
+                <a:solidFill>
+                  <a:schemeClr val="tx1"/>
+                </a:solidFill>
+              </a:rPr>
+              <a:t>idx</a:t>
+            </a:r>
+            <a:r>
+              <a:rPr lang="en-US" sz="1200" dirty="0">
+                <a:solidFill>
+                  <a:schemeClr val="tx1"/>
+                </a:solidFill>
+              </a:rPr>
+              <a:t> ≤ 10]</a:t>
+            </a:r>
+          </a:p>
+        </p:txBody>
+      </p:sp>
     </p:spTree>
     <p:extLst>
       <p:ext uri="{BB962C8B-B14F-4D97-AF65-F5344CB8AC3E}">
